--- a/SOFTSKILL/Softskills - Building Corporate Culture/C language.pptx
+++ b/SOFTSKILL/Softskills - Building Corporate Culture/C language.pptx
@@ -5,7 +5,7 @@
     <p:sldMasterId id="2147483648" r:id="rId1"/>
   </p:sldMasterIdLst>
   <p:notesMasterIdLst>
-    <p:notesMasterId r:id="rId9"/>
+    <p:notesMasterId r:id="rId13"/>
   </p:notesMasterIdLst>
   <p:sldIdLst>
     <p:sldId id="256" r:id="rId2"/>
@@ -15,6 +15,10 @@
     <p:sldId id="261" r:id="rId6"/>
     <p:sldId id="260" r:id="rId7"/>
     <p:sldId id="262" r:id="rId8"/>
+    <p:sldId id="263" r:id="rId9"/>
+    <p:sldId id="264" r:id="rId10"/>
+    <p:sldId id="266" r:id="rId11"/>
+    <p:sldId id="265" r:id="rId12"/>
   </p:sldIdLst>
   <p:sldSz cx="12192000" cy="6858000"/>
   <p:notesSz cx="6858000" cy="9144000"/>
@@ -203,7 +207,7 @@
           <a:p>
             <a:fld id="{A56916C7-1093-4F1A-91E1-EC13954F294F}" type="datetimeFigureOut">
               <a:rPr lang="en-US" smtClean="0"/>
-              <a:t>30-Nov-24</a:t>
+              <a:t>01-Dec-24</a:t>
             </a:fld>
             <a:endParaRPr lang="en-US"/>
           </a:p>
@@ -801,7 +805,7 @@
             <a:fld id="{B61BEF0D-F0BB-DE4B-95CE-6DB70DBA9567}" type="datetimeFigureOut">
               <a:rPr lang="en-US" dirty="0"/>
               <a:pPr/>
-              <a:t>30-Nov-24</a:t>
+              <a:t>01-Dec-24</a:t>
             </a:fld>
             <a:endParaRPr lang="en-US" dirty="0"/>
           </a:p>
@@ -1060,7 +1064,7 @@
             <a:fld id="{B61BEF0D-F0BB-DE4B-95CE-6DB70DBA9567}" type="datetimeFigureOut">
               <a:rPr lang="en-US" dirty="0"/>
               <a:pPr/>
-              <a:t>30-Nov-24</a:t>
+              <a:t>01-Dec-24</a:t>
             </a:fld>
             <a:endParaRPr lang="en-US" dirty="0"/>
           </a:p>
@@ -1292,7 +1296,7 @@
             <a:fld id="{B61BEF0D-F0BB-DE4B-95CE-6DB70DBA9567}" type="datetimeFigureOut">
               <a:rPr lang="en-US" dirty="0"/>
               <a:pPr/>
-              <a:t>30-Nov-24</a:t>
+              <a:t>01-Dec-24</a:t>
             </a:fld>
             <a:endParaRPr lang="en-US" dirty="0"/>
           </a:p>
@@ -1529,7 +1533,7 @@
             <a:fld id="{B61BEF0D-F0BB-DE4B-95CE-6DB70DBA9567}" type="datetimeFigureOut">
               <a:rPr lang="en-US" dirty="0"/>
               <a:pPr/>
-              <a:t>30-Nov-24</a:t>
+              <a:t>01-Dec-24</a:t>
             </a:fld>
             <a:endParaRPr lang="en-US" dirty="0"/>
           </a:p>
@@ -1833,7 +1837,7 @@
             <a:fld id="{B61BEF0D-F0BB-DE4B-95CE-6DB70DBA9567}" type="datetimeFigureOut">
               <a:rPr lang="en-US" dirty="0"/>
               <a:pPr/>
-              <a:t>30-Nov-24</a:t>
+              <a:t>01-Dec-24</a:t>
             </a:fld>
             <a:endParaRPr lang="en-US" dirty="0"/>
           </a:p>
@@ -2132,7 +2136,7 @@
             <a:fld id="{B61BEF0D-F0BB-DE4B-95CE-6DB70DBA9567}" type="datetimeFigureOut">
               <a:rPr lang="en-US" dirty="0"/>
               <a:pPr/>
-              <a:t>30-Nov-24</a:t>
+              <a:t>01-Dec-24</a:t>
             </a:fld>
             <a:endParaRPr lang="en-US" dirty="0"/>
           </a:p>
@@ -2551,7 +2555,7 @@
             <a:fld id="{B61BEF0D-F0BB-DE4B-95CE-6DB70DBA9567}" type="datetimeFigureOut">
               <a:rPr lang="en-US" dirty="0"/>
               <a:pPr/>
-              <a:t>30-Nov-24</a:t>
+              <a:t>01-Dec-24</a:t>
             </a:fld>
             <a:endParaRPr lang="en-US" dirty="0"/>
           </a:p>
@@ -2710,7 +2714,7 @@
             <a:fld id="{B61BEF0D-F0BB-DE4B-95CE-6DB70DBA9567}" type="datetimeFigureOut">
               <a:rPr lang="en-US" dirty="0"/>
               <a:pPr/>
-              <a:t>30-Nov-24</a:t>
+              <a:t>01-Dec-24</a:t>
             </a:fld>
             <a:endParaRPr lang="en-US" dirty="0"/>
           </a:p>
@@ -2802,7 +2806,7 @@
             <a:fld id="{B61BEF0D-F0BB-DE4B-95CE-6DB70DBA9567}" type="datetimeFigureOut">
               <a:rPr lang="en-US" dirty="0"/>
               <a:pPr/>
-              <a:t>30-Nov-24</a:t>
+              <a:t>01-Dec-24</a:t>
             </a:fld>
             <a:endParaRPr lang="en-US" dirty="0"/>
           </a:p>
@@ -3177,7 +3181,7 @@
             <a:fld id="{B61BEF0D-F0BB-DE4B-95CE-6DB70DBA9567}" type="datetimeFigureOut">
               <a:rPr lang="en-US" dirty="0"/>
               <a:pPr/>
-              <a:t>30-Nov-24</a:t>
+              <a:t>01-Dec-24</a:t>
             </a:fld>
             <a:endParaRPr lang="en-US" dirty="0"/>
           </a:p>
@@ -3463,7 +3467,7 @@
             <a:fld id="{B61BEF0D-F0BB-DE4B-95CE-6DB70DBA9567}" type="datetimeFigureOut">
               <a:rPr lang="en-US" dirty="0"/>
               <a:pPr/>
-              <a:t>30-Nov-24</a:t>
+              <a:t>01-Dec-24</a:t>
             </a:fld>
             <a:endParaRPr lang="en-US" dirty="0"/>
           </a:p>
@@ -3671,7 +3675,7 @@
             <a:fld id="{B61BEF0D-F0BB-DE4B-95CE-6DB70DBA9567}" type="datetimeFigureOut">
               <a:rPr lang="en-US" dirty="0"/>
               <a:pPr/>
-              <a:t>30-Nov-24</a:t>
+              <a:t>01-Dec-24</a:t>
             </a:fld>
             <a:endParaRPr lang="en-US" dirty="0"/>
           </a:p>
@@ -4359,6 +4363,427 @@
   <p:clrMapOvr>
     <a:masterClrMapping/>
   </p:clrMapOvr>
+  <p:timing>
+    <p:tnLst>
+      <p:par>
+        <p:cTn id="1" dur="indefinite" restart="never" nodeType="tmRoot"/>
+      </p:par>
+    </p:tnLst>
+  </p:timing>
+</p:sld>
+</file>
+
+<file path=ppt/slides/slide10.xml><?xml version="1.0" encoding="utf-8"?>
+<p:sld xmlns:a="http://schemas.openxmlformats.org/drawingml/2006/main" xmlns:r="http://schemas.openxmlformats.org/officeDocument/2006/relationships" xmlns:p="http://schemas.openxmlformats.org/presentationml/2006/main">
+  <p:cSld>
+    <p:spTree>
+      <p:nvGrpSpPr>
+        <p:cNvPr id="1" name=""/>
+        <p:cNvGrpSpPr/>
+        <p:nvPr/>
+      </p:nvGrpSpPr>
+      <p:grpSpPr>
+        <a:xfrm>
+          <a:off x="0" y="0"/>
+          <a:ext cx="0" cy="0"/>
+          <a:chOff x="0" y="0"/>
+          <a:chExt cx="0" cy="0"/>
+        </a:xfrm>
+      </p:grpSpPr>
+      <p:sp>
+        <p:nvSpPr>
+          <p:cNvPr id="2" name="Title 1"/>
+          <p:cNvSpPr>
+            <a:spLocks noGrp="1"/>
+          </p:cNvSpPr>
+          <p:nvPr>
+            <p:ph type="title"/>
+          </p:nvPr>
+        </p:nvSpPr>
+        <p:spPr/>
+        <p:txBody>
+          <a:bodyPr/>
+          <a:lstStyle/>
+          <a:p>
+            <a:r>
+              <a:rPr lang="en-US" cap="none" dirty="0" smtClean="0"/>
+              <a:t>Example:</a:t>
+            </a:r>
+            <a:endParaRPr lang="en-US" dirty="0"/>
+          </a:p>
+        </p:txBody>
+      </p:sp>
+      <p:sp>
+        <p:nvSpPr>
+          <p:cNvPr id="3" name="Content Placeholder 2"/>
+          <p:cNvSpPr>
+            <a:spLocks noGrp="1"/>
+          </p:cNvSpPr>
+          <p:nvPr>
+            <p:ph idx="1"/>
+          </p:nvPr>
+        </p:nvSpPr>
+        <p:spPr/>
+        <p:txBody>
+          <a:bodyPr>
+            <a:normAutofit fontScale="62500" lnSpcReduction="20000"/>
+          </a:bodyPr>
+          <a:lstStyle/>
+          <a:p>
+            <a:pPr marL="0" indent="0">
+              <a:buNone/>
+            </a:pPr>
+            <a:r>
+              <a:rPr lang="en-US" dirty="0"/>
+              <a:t>#</a:t>
+            </a:r>
+            <a:r>
+              <a:rPr lang="en-US" dirty="0" smtClean="0"/>
+              <a:t>include&lt;</a:t>
+            </a:r>
+            <a:r>
+              <a:rPr lang="en-US" dirty="0" err="1" smtClean="0"/>
+              <a:t>stdio.h</a:t>
+            </a:r>
+            <a:r>
+              <a:rPr lang="en-US" dirty="0" smtClean="0"/>
+              <a:t>&gt; </a:t>
+            </a:r>
+          </a:p>
+          <a:p>
+            <a:pPr marL="0" indent="0">
+              <a:buNone/>
+            </a:pPr>
+            <a:r>
+              <a:rPr lang="en-US" dirty="0" err="1" smtClean="0"/>
+              <a:t>int</a:t>
+            </a:r>
+            <a:r>
+              <a:rPr lang="en-US" dirty="0" smtClean="0"/>
+              <a:t> main() – main file</a:t>
+            </a:r>
+          </a:p>
+          <a:p>
+            <a:pPr marL="0" indent="0">
+              <a:buNone/>
+            </a:pPr>
+            <a:r>
+              <a:rPr lang="en-US" dirty="0" smtClean="0"/>
+              <a:t>{</a:t>
+            </a:r>
+            <a:endParaRPr lang="en-US" dirty="0"/>
+          </a:p>
+          <a:p>
+            <a:pPr marL="0" indent="0">
+              <a:buNone/>
+            </a:pPr>
+            <a:r>
+              <a:rPr lang="en-US" dirty="0"/>
+              <a:t>	</a:t>
+            </a:r>
+            <a:r>
+              <a:rPr lang="en-US" dirty="0" err="1"/>
+              <a:t>int</a:t>
+            </a:r>
+            <a:r>
+              <a:rPr lang="en-US" dirty="0"/>
+              <a:t> a=10</a:t>
+            </a:r>
+            <a:r>
+              <a:rPr lang="en-US" dirty="0" smtClean="0"/>
+              <a:t>; </a:t>
+            </a:r>
+            <a:endParaRPr lang="en-US" dirty="0"/>
+          </a:p>
+          <a:p>
+            <a:pPr marL="0" indent="0">
+              <a:buNone/>
+            </a:pPr>
+            <a:r>
+              <a:rPr lang="en-US" dirty="0"/>
+              <a:t>	long </a:t>
+            </a:r>
+            <a:r>
+              <a:rPr lang="en-US" dirty="0" err="1"/>
+              <a:t>int</a:t>
+            </a:r>
+            <a:r>
+              <a:rPr lang="en-US" dirty="0"/>
+              <a:t> b=20000;</a:t>
+            </a:r>
+          </a:p>
+          <a:p>
+            <a:pPr marL="0" indent="0">
+              <a:buNone/>
+            </a:pPr>
+            <a:r>
+              <a:rPr lang="en-US" dirty="0"/>
+              <a:t>	float c= 12.22;</a:t>
+            </a:r>
+          </a:p>
+          <a:p>
+            <a:pPr marL="0" indent="0">
+              <a:buNone/>
+            </a:pPr>
+            <a:r>
+              <a:rPr lang="en-US" dirty="0"/>
+              <a:t>	double d=12.234567;</a:t>
+            </a:r>
+          </a:p>
+          <a:p>
+            <a:pPr marL="0" indent="0">
+              <a:buNone/>
+            </a:pPr>
+            <a:r>
+              <a:rPr lang="en-US" dirty="0"/>
+              <a:t>	char </a:t>
+            </a:r>
+            <a:r>
+              <a:rPr lang="en-US" dirty="0" err="1"/>
+              <a:t>ch</a:t>
+            </a:r>
+            <a:r>
+              <a:rPr lang="en-US" dirty="0"/>
+              <a:t>='A</a:t>
+            </a:r>
+            <a:r>
+              <a:rPr lang="en-US" dirty="0" smtClean="0"/>
+              <a:t>';</a:t>
+            </a:r>
+            <a:endParaRPr lang="en-US" dirty="0"/>
+          </a:p>
+          <a:p>
+            <a:pPr marL="0" indent="0">
+              <a:buNone/>
+            </a:pPr>
+            <a:r>
+              <a:rPr lang="en-US" dirty="0"/>
+              <a:t>	printf("The value of a=%</a:t>
+            </a:r>
+            <a:r>
+              <a:rPr lang="en-US" dirty="0" err="1"/>
+              <a:t>d",a</a:t>
+            </a:r>
+            <a:r>
+              <a:rPr lang="en-US" dirty="0"/>
+              <a:t>);</a:t>
+            </a:r>
+          </a:p>
+          <a:p>
+            <a:pPr marL="0" indent="0">
+              <a:buNone/>
+            </a:pPr>
+            <a:r>
+              <a:rPr lang="en-US" dirty="0"/>
+              <a:t>	printf("\</a:t>
+            </a:r>
+            <a:r>
+              <a:rPr lang="en-US" dirty="0" err="1"/>
+              <a:t>nThe</a:t>
+            </a:r>
+            <a:r>
+              <a:rPr lang="en-US" dirty="0"/>
+              <a:t> value of b=%</a:t>
+            </a:r>
+            <a:r>
+              <a:rPr lang="en-US" dirty="0" err="1"/>
+              <a:t>ld</a:t>
+            </a:r>
+            <a:r>
+              <a:rPr lang="en-US" dirty="0"/>
+              <a:t>",b);</a:t>
+            </a:r>
+          </a:p>
+          <a:p>
+            <a:pPr marL="0" indent="0">
+              <a:buNone/>
+            </a:pPr>
+            <a:r>
+              <a:rPr lang="en-US" dirty="0"/>
+              <a:t>	printf("\</a:t>
+            </a:r>
+            <a:r>
+              <a:rPr lang="en-US" dirty="0" err="1"/>
+              <a:t>nThe</a:t>
+            </a:r>
+            <a:r>
+              <a:rPr lang="en-US" dirty="0"/>
+              <a:t> value of c=%</a:t>
+            </a:r>
+            <a:r>
+              <a:rPr lang="en-US" dirty="0" err="1"/>
+              <a:t>f",c</a:t>
+            </a:r>
+            <a:r>
+              <a:rPr lang="en-US" dirty="0"/>
+              <a:t>);</a:t>
+            </a:r>
+          </a:p>
+          <a:p>
+            <a:pPr marL="0" indent="0">
+              <a:buNone/>
+            </a:pPr>
+            <a:r>
+              <a:rPr lang="en-US" dirty="0"/>
+              <a:t>	printf("\</a:t>
+            </a:r>
+            <a:r>
+              <a:rPr lang="en-US" dirty="0" err="1"/>
+              <a:t>nThe</a:t>
+            </a:r>
+            <a:r>
+              <a:rPr lang="en-US" dirty="0"/>
+              <a:t> value of d=%</a:t>
+            </a:r>
+            <a:r>
+              <a:rPr lang="en-US" dirty="0" err="1"/>
+              <a:t>f",d</a:t>
+            </a:r>
+            <a:r>
+              <a:rPr lang="en-US" dirty="0"/>
+              <a:t>);</a:t>
+            </a:r>
+          </a:p>
+          <a:p>
+            <a:pPr marL="0" indent="0">
+              <a:buNone/>
+            </a:pPr>
+            <a:r>
+              <a:rPr lang="en-US" dirty="0"/>
+              <a:t>	printf("\</a:t>
+            </a:r>
+            <a:r>
+              <a:rPr lang="en-US" dirty="0" err="1"/>
+              <a:t>nThe</a:t>
+            </a:r>
+            <a:r>
+              <a:rPr lang="en-US" dirty="0"/>
+              <a:t> value of </a:t>
+            </a:r>
+            <a:r>
+              <a:rPr lang="en-US" dirty="0" err="1"/>
+              <a:t>ch</a:t>
+            </a:r>
+            <a:r>
+              <a:rPr lang="en-US" dirty="0"/>
+              <a:t>= %c",</a:t>
+            </a:r>
+            <a:r>
+              <a:rPr lang="en-US" dirty="0" err="1"/>
+              <a:t>ch</a:t>
+            </a:r>
+            <a:r>
+              <a:rPr lang="en-US" dirty="0"/>
+              <a:t>);</a:t>
+            </a:r>
+          </a:p>
+          <a:p>
+            <a:pPr marL="0" indent="0">
+              <a:buNone/>
+            </a:pPr>
+            <a:r>
+              <a:rPr lang="en-US" dirty="0"/>
+              <a:t>}</a:t>
+            </a:r>
+          </a:p>
+        </p:txBody>
+      </p:sp>
+    </p:spTree>
+    <p:extLst>
+      <p:ext uri="{BB962C8B-B14F-4D97-AF65-F5344CB8AC3E}">
+        <p14:creationId xmlns:p14="http://schemas.microsoft.com/office/powerpoint/2010/main" val="1014573421"/>
+      </p:ext>
+    </p:extLst>
+  </p:cSld>
+  <p:clrMapOvr>
+    <a:masterClrMapping/>
+  </p:clrMapOvr>
+</p:sld>
+</file>
+
+<file path=ppt/slides/slide11.xml><?xml version="1.0" encoding="utf-8"?>
+<p:sld xmlns:a="http://schemas.openxmlformats.org/drawingml/2006/main" xmlns:r="http://schemas.openxmlformats.org/officeDocument/2006/relationships" xmlns:p="http://schemas.openxmlformats.org/presentationml/2006/main">
+  <p:cSld>
+    <p:spTree>
+      <p:nvGrpSpPr>
+        <p:cNvPr id="1" name=""/>
+        <p:cNvGrpSpPr/>
+        <p:nvPr/>
+      </p:nvGrpSpPr>
+      <p:grpSpPr>
+        <a:xfrm>
+          <a:off x="0" y="0"/>
+          <a:ext cx="0" cy="0"/>
+          <a:chOff x="0" y="0"/>
+          <a:chExt cx="0" cy="0"/>
+        </a:xfrm>
+      </p:grpSpPr>
+      <p:sp>
+        <p:nvSpPr>
+          <p:cNvPr id="2" name="Title 1"/>
+          <p:cNvSpPr>
+            <a:spLocks noGrp="1"/>
+          </p:cNvSpPr>
+          <p:nvPr>
+            <p:ph type="ctrTitle"/>
+          </p:nvPr>
+        </p:nvSpPr>
+        <p:spPr/>
+        <p:txBody>
+          <a:bodyPr/>
+          <a:lstStyle/>
+          <a:p>
+            <a:pPr algn="ctr"/>
+            <a:r>
+              <a:rPr lang="en-US" cap="none" dirty="0" smtClean="0"/>
+              <a:t>Thank you</a:t>
+            </a:r>
+            <a:endParaRPr lang="en-US" dirty="0"/>
+          </a:p>
+        </p:txBody>
+      </p:sp>
+      <p:sp>
+        <p:nvSpPr>
+          <p:cNvPr id="3" name="Subtitle 2"/>
+          <p:cNvSpPr>
+            <a:spLocks noGrp="1"/>
+          </p:cNvSpPr>
+          <p:nvPr>
+            <p:ph type="subTitle" idx="1"/>
+          </p:nvPr>
+        </p:nvSpPr>
+        <p:spPr/>
+        <p:txBody>
+          <a:bodyPr/>
+          <a:lstStyle/>
+          <a:p>
+            <a:pPr algn="ctr"/>
+            <a:r>
+              <a:rPr lang="en-US" cap="none" dirty="0" smtClean="0"/>
+              <a:t>-Achal </a:t>
+            </a:r>
+            <a:r>
+              <a:rPr lang="en-US" cap="none" dirty="0"/>
+              <a:t>C</a:t>
+            </a:r>
+            <a:r>
+              <a:rPr lang="en-US" cap="none" dirty="0" smtClean="0"/>
+              <a:t>hhag</a:t>
+            </a:r>
+            <a:endParaRPr lang="en-US" dirty="0"/>
+          </a:p>
+        </p:txBody>
+      </p:sp>
+    </p:spTree>
+    <p:extLst>
+      <p:ext uri="{BB962C8B-B14F-4D97-AF65-F5344CB8AC3E}">
+        <p14:creationId xmlns:p14="http://schemas.microsoft.com/office/powerpoint/2010/main" val="336823066"/>
+      </p:ext>
+    </p:extLst>
+  </p:cSld>
+  <p:clrMapOvr>
+    <a:masterClrMapping/>
+  </p:clrMapOvr>
 </p:sld>
 </file>
 
@@ -4470,6 +4895,13 @@
   <p:clrMapOvr>
     <a:masterClrMapping/>
   </p:clrMapOvr>
+  <p:timing>
+    <p:tnLst>
+      <p:par>
+        <p:cTn id="1" dur="indefinite" restart="never" nodeType="tmRoot"/>
+      </p:par>
+    </p:tnLst>
+  </p:timing>
 </p:sld>
 </file>
 
@@ -4609,6 +5041,13 @@
   <p:clrMapOvr>
     <a:masterClrMapping/>
   </p:clrMapOvr>
+  <p:timing>
+    <p:tnLst>
+      <p:par>
+        <p:cTn id="1" dur="indefinite" restart="never" nodeType="tmRoot"/>
+      </p:par>
+    </p:tnLst>
+  </p:timing>
 </p:sld>
 </file>
 
@@ -4727,6 +5166,13 @@
   <p:clrMapOvr>
     <a:masterClrMapping/>
   </p:clrMapOvr>
+  <p:timing>
+    <p:tnLst>
+      <p:par>
+        <p:cTn id="1" dur="indefinite" restart="never" nodeType="tmRoot"/>
+      </p:par>
+    </p:tnLst>
+  </p:timing>
 </p:sld>
 </file>
 
@@ -4845,6 +5291,13 @@
   <p:clrMapOvr>
     <a:masterClrMapping/>
   </p:clrMapOvr>
+  <p:timing>
+    <p:tnLst>
+      <p:par>
+        <p:cTn id="1" dur="indefinite" restart="never" nodeType="tmRoot"/>
+      </p:par>
+    </p:tnLst>
+  </p:timing>
 </p:sld>
 </file>
 
@@ -4966,6 +5419,13 @@
   <p:clrMapOvr>
     <a:masterClrMapping/>
   </p:clrMapOvr>
+  <p:timing>
+    <p:tnLst>
+      <p:par>
+        <p:cTn id="1" dur="indefinite" restart="never" nodeType="tmRoot"/>
+      </p:par>
+    </p:tnLst>
+  </p:timing>
 </p:sld>
 </file>
 
@@ -5024,6 +5484,39 @@
           <a:bodyPr/>
           <a:lstStyle/>
           <a:p>
+            <a:r>
+              <a:rPr lang="en-US" dirty="0" smtClean="0"/>
+              <a:t>An </a:t>
+            </a:r>
+            <a:r>
+              <a:rPr lang="en-US" dirty="0"/>
+              <a:t>array is a data structure that stores a collection of elements of the same data type in contiguous memory </a:t>
+            </a:r>
+            <a:r>
+              <a:rPr lang="en-US" dirty="0" smtClean="0"/>
+              <a:t>locations.</a:t>
+            </a:r>
+          </a:p>
+          <a:p>
+            <a:pPr lvl="1"/>
+            <a:r>
+              <a:rPr lang="en-US" dirty="0" smtClean="0"/>
+              <a:t>Types of Arrays are:</a:t>
+            </a:r>
+          </a:p>
+          <a:p>
+            <a:pPr lvl="1"/>
+            <a:r>
+              <a:rPr lang="en-US" dirty="0" smtClean="0"/>
+              <a:t>1D single dimension</a:t>
+            </a:r>
+          </a:p>
+          <a:p>
+            <a:pPr lvl="1"/>
+            <a:r>
+              <a:rPr lang="en-US" dirty="0" smtClean="0"/>
+              <a:t>2D multi dimension</a:t>
+            </a:r>
             <a:endParaRPr lang="en-US" dirty="0"/>
           </a:p>
         </p:txBody>
@@ -5038,6 +5531,402 @@
   <p:clrMapOvr>
     <a:masterClrMapping/>
   </p:clrMapOvr>
+  <p:timing>
+    <p:tnLst>
+      <p:par>
+        <p:cTn id="1" dur="indefinite" restart="never" nodeType="tmRoot"/>
+      </p:par>
+    </p:tnLst>
+  </p:timing>
+</p:sld>
+</file>
+
+<file path=ppt/slides/slide8.xml><?xml version="1.0" encoding="utf-8"?>
+<p:sld xmlns:a="http://schemas.openxmlformats.org/drawingml/2006/main" xmlns:r="http://schemas.openxmlformats.org/officeDocument/2006/relationships" xmlns:p="http://schemas.openxmlformats.org/presentationml/2006/main">
+  <p:cSld>
+    <p:spTree>
+      <p:nvGrpSpPr>
+        <p:cNvPr id="1" name=""/>
+        <p:cNvGrpSpPr/>
+        <p:nvPr/>
+      </p:nvGrpSpPr>
+      <p:grpSpPr>
+        <a:xfrm>
+          <a:off x="0" y="0"/>
+          <a:ext cx="0" cy="0"/>
+          <a:chOff x="0" y="0"/>
+          <a:chExt cx="0" cy="0"/>
+        </a:xfrm>
+      </p:grpSpPr>
+      <p:sp>
+        <p:nvSpPr>
+          <p:cNvPr id="2" name="Title 1"/>
+          <p:cNvSpPr>
+            <a:spLocks noGrp="1"/>
+          </p:cNvSpPr>
+          <p:nvPr>
+            <p:ph type="title"/>
+          </p:nvPr>
+        </p:nvSpPr>
+        <p:spPr/>
+        <p:txBody>
+          <a:bodyPr/>
+          <a:lstStyle/>
+          <a:p>
+            <a:r>
+              <a:rPr lang="en-US" cap="none" dirty="0" smtClean="0"/>
+              <a:t>Function</a:t>
+            </a:r>
+            <a:endParaRPr lang="en-US" dirty="0"/>
+          </a:p>
+        </p:txBody>
+      </p:sp>
+      <p:sp>
+        <p:nvSpPr>
+          <p:cNvPr id="3" name="Content Placeholder 2"/>
+          <p:cNvSpPr>
+            <a:spLocks noGrp="1"/>
+          </p:cNvSpPr>
+          <p:nvPr>
+            <p:ph idx="1"/>
+          </p:nvPr>
+        </p:nvSpPr>
+        <p:spPr/>
+        <p:txBody>
+          <a:bodyPr/>
+          <a:lstStyle/>
+          <a:p>
+            <a:r>
+              <a:rPr lang="en-US" dirty="0" smtClean="0"/>
+              <a:t>A set of statement that when called perform some specific tasks.</a:t>
+            </a:r>
+          </a:p>
+          <a:p>
+            <a:r>
+              <a:rPr lang="en-US" dirty="0" smtClean="0"/>
+              <a:t>Types of Function:-</a:t>
+            </a:r>
+          </a:p>
+          <a:p>
+            <a:pPr marL="666900" lvl="1" indent="-342900">
+              <a:buFont typeface="+mj-lt"/>
+              <a:buAutoNum type="arabicPeriod"/>
+            </a:pPr>
+            <a:r>
+              <a:rPr lang="en-US" dirty="0" smtClean="0"/>
+              <a:t>With return type and with argument</a:t>
+            </a:r>
+          </a:p>
+          <a:p>
+            <a:pPr marL="666900" lvl="1" indent="-342900">
+              <a:buFont typeface="+mj-lt"/>
+              <a:buAutoNum type="arabicPeriod"/>
+            </a:pPr>
+            <a:r>
+              <a:rPr lang="en-US" dirty="0" smtClean="0"/>
+              <a:t>With return type and without argument</a:t>
+            </a:r>
+          </a:p>
+          <a:p>
+            <a:pPr marL="666900" lvl="1" indent="-342900">
+              <a:buFont typeface="+mj-lt"/>
+              <a:buAutoNum type="arabicPeriod"/>
+            </a:pPr>
+            <a:r>
+              <a:rPr lang="en-US" dirty="0" smtClean="0"/>
+              <a:t>Without return type and with argument</a:t>
+            </a:r>
+          </a:p>
+          <a:p>
+            <a:pPr marL="666900" lvl="1" indent="-342900">
+              <a:buFont typeface="+mj-lt"/>
+              <a:buAutoNum type="arabicPeriod"/>
+            </a:pPr>
+            <a:r>
+              <a:rPr lang="en-US" dirty="0" smtClean="0"/>
+              <a:t>Without return type and without argument</a:t>
+            </a:r>
+            <a:endParaRPr lang="en-US" dirty="0"/>
+          </a:p>
+        </p:txBody>
+      </p:sp>
+    </p:spTree>
+    <p:extLst>
+      <p:ext uri="{BB962C8B-B14F-4D97-AF65-F5344CB8AC3E}">
+        <p14:creationId xmlns:p14="http://schemas.microsoft.com/office/powerpoint/2010/main" val="230750269"/>
+      </p:ext>
+    </p:extLst>
+  </p:cSld>
+  <p:clrMapOvr>
+    <a:masterClrMapping/>
+  </p:clrMapOvr>
+  <p:timing>
+    <p:tnLst>
+      <p:par>
+        <p:cTn id="1" dur="indefinite" restart="never" nodeType="tmRoot"/>
+      </p:par>
+    </p:tnLst>
+  </p:timing>
+</p:sld>
+</file>
+
+<file path=ppt/slides/slide9.xml><?xml version="1.0" encoding="utf-8"?>
+<p:sld xmlns:a="http://schemas.openxmlformats.org/drawingml/2006/main" xmlns:r="http://schemas.openxmlformats.org/officeDocument/2006/relationships" xmlns:p="http://schemas.openxmlformats.org/presentationml/2006/main">
+  <p:cSld>
+    <p:spTree>
+      <p:nvGrpSpPr>
+        <p:cNvPr id="1" name=""/>
+        <p:cNvGrpSpPr/>
+        <p:nvPr/>
+      </p:nvGrpSpPr>
+      <p:grpSpPr>
+        <a:xfrm>
+          <a:off x="0" y="0"/>
+          <a:ext cx="0" cy="0"/>
+          <a:chOff x="0" y="0"/>
+          <a:chExt cx="0" cy="0"/>
+        </a:xfrm>
+      </p:grpSpPr>
+      <p:sp>
+        <p:nvSpPr>
+          <p:cNvPr id="2" name="Title 1"/>
+          <p:cNvSpPr>
+            <a:spLocks noGrp="1"/>
+          </p:cNvSpPr>
+          <p:nvPr>
+            <p:ph type="title"/>
+          </p:nvPr>
+        </p:nvSpPr>
+        <p:spPr/>
+        <p:txBody>
+          <a:bodyPr/>
+          <a:lstStyle/>
+          <a:p>
+            <a:r>
+              <a:rPr lang="en-US" cap="none" dirty="0" smtClean="0"/>
+              <a:t>String</a:t>
+            </a:r>
+            <a:r>
+              <a:rPr lang="en-US" dirty="0" smtClean="0"/>
+              <a:t> </a:t>
+            </a:r>
+            <a:endParaRPr lang="en-US" dirty="0"/>
+          </a:p>
+        </p:txBody>
+      </p:sp>
+      <p:sp>
+        <p:nvSpPr>
+          <p:cNvPr id="3" name="Content Placeholder 2"/>
+          <p:cNvSpPr>
+            <a:spLocks noGrp="1"/>
+          </p:cNvSpPr>
+          <p:nvPr>
+            <p:ph idx="1"/>
+          </p:nvPr>
+        </p:nvSpPr>
+        <p:spPr/>
+        <p:txBody>
+          <a:bodyPr/>
+          <a:lstStyle/>
+          <a:p>
+            <a:r>
+              <a:rPr lang="en-US" dirty="0" smtClean="0"/>
+              <a:t>A string is a sequence of character terminated by null character (\0).</a:t>
+            </a:r>
+          </a:p>
+          <a:p>
+            <a:r>
+              <a:rPr lang="en-US" dirty="0" smtClean="0"/>
+              <a:t>Inbuilt functions are :</a:t>
+            </a:r>
+          </a:p>
+          <a:p>
+            <a:pPr marL="666900" lvl="1" indent="-342900">
+              <a:buFont typeface="+mj-lt"/>
+              <a:buAutoNum type="arabicPeriod"/>
+            </a:pPr>
+            <a:r>
+              <a:rPr lang="en-US" dirty="0" smtClean="0"/>
+              <a:t>Strlen(argument)</a:t>
+            </a:r>
+          </a:p>
+          <a:p>
+            <a:pPr marL="666900" lvl="1" indent="-342900">
+              <a:buFont typeface="+mj-lt"/>
+              <a:buAutoNum type="arabicPeriod"/>
+            </a:pPr>
+            <a:r>
+              <a:rPr lang="en-US" dirty="0" err="1" smtClean="0"/>
+              <a:t>Strrev</a:t>
+            </a:r>
+            <a:r>
+              <a:rPr lang="en-US" dirty="0" smtClean="0"/>
+              <a:t>(argument)</a:t>
+            </a:r>
+          </a:p>
+          <a:p>
+            <a:pPr marL="666900" lvl="1" indent="-342900">
+              <a:buFont typeface="+mj-lt"/>
+              <a:buAutoNum type="arabicPeriod"/>
+            </a:pPr>
+            <a:r>
+              <a:rPr lang="en-US" dirty="0" err="1" smtClean="0"/>
+              <a:t>Strcpy</a:t>
+            </a:r>
+            <a:r>
+              <a:rPr lang="en-US" dirty="0" smtClean="0"/>
+              <a:t>(</a:t>
+            </a:r>
+            <a:r>
+              <a:rPr lang="en-US" dirty="0"/>
+              <a:t>argument</a:t>
+            </a:r>
+            <a:r>
+              <a:rPr lang="en-US" dirty="0" smtClean="0"/>
+              <a:t>1,</a:t>
+            </a:r>
+            <a:r>
+              <a:rPr lang="en-US" dirty="0"/>
+              <a:t> argument</a:t>
+            </a:r>
+            <a:r>
+              <a:rPr lang="en-US" dirty="0" smtClean="0"/>
+              <a:t>2)</a:t>
+            </a:r>
+          </a:p>
+          <a:p>
+            <a:pPr marL="666900" lvl="1" indent="-342900">
+              <a:buFont typeface="+mj-lt"/>
+              <a:buAutoNum type="arabicPeriod"/>
+            </a:pPr>
+            <a:r>
+              <a:rPr lang="en-US" dirty="0" err="1" smtClean="0"/>
+              <a:t>Strcmp</a:t>
+            </a:r>
+            <a:r>
+              <a:rPr lang="en-US" dirty="0" smtClean="0"/>
+              <a:t>(</a:t>
+            </a:r>
+            <a:r>
+              <a:rPr lang="en-US" dirty="0"/>
+              <a:t>argument</a:t>
+            </a:r>
+            <a:r>
+              <a:rPr lang="en-US" dirty="0" smtClean="0"/>
+              <a:t>1,</a:t>
+            </a:r>
+            <a:r>
+              <a:rPr lang="en-US" dirty="0"/>
+              <a:t> argument</a:t>
+            </a:r>
+            <a:r>
+              <a:rPr lang="en-US" dirty="0" smtClean="0"/>
+              <a:t>2)</a:t>
+            </a:r>
+          </a:p>
+          <a:p>
+            <a:pPr marL="666900" lvl="1" indent="-342900">
+              <a:buFont typeface="+mj-lt"/>
+              <a:buAutoNum type="arabicPeriod"/>
+            </a:pPr>
+            <a:r>
+              <a:rPr lang="en-US" dirty="0" smtClean="0"/>
+              <a:t>Strcat(</a:t>
+            </a:r>
+            <a:r>
+              <a:rPr lang="en-US" dirty="0"/>
+              <a:t>argument</a:t>
+            </a:r>
+            <a:r>
+              <a:rPr lang="en-US" dirty="0" smtClean="0"/>
+              <a:t>1,</a:t>
+            </a:r>
+            <a:r>
+              <a:rPr lang="en-US" dirty="0"/>
+              <a:t> argument</a:t>
+            </a:r>
+            <a:r>
+              <a:rPr lang="en-US" dirty="0" smtClean="0"/>
+              <a:t>2)</a:t>
+            </a:r>
+          </a:p>
+          <a:p>
+            <a:pPr marL="666900" lvl="1" indent="-342900">
+              <a:buFont typeface="+mj-lt"/>
+              <a:buAutoNum type="arabicPeriod"/>
+            </a:pPr>
+            <a:r>
+              <a:rPr lang="en-US" dirty="0" err="1" smtClean="0"/>
+              <a:t>Strupr</a:t>
+            </a:r>
+            <a:r>
+              <a:rPr lang="en-US" dirty="0" smtClean="0"/>
+              <a:t>(</a:t>
+            </a:r>
+            <a:r>
+              <a:rPr lang="en-US" dirty="0"/>
+              <a:t>argument</a:t>
+            </a:r>
+            <a:r>
+              <a:rPr lang="en-US" dirty="0" smtClean="0"/>
+              <a:t>)</a:t>
+            </a:r>
+          </a:p>
+          <a:p>
+            <a:pPr marL="666900" lvl="1" indent="-342900">
+              <a:buFont typeface="+mj-lt"/>
+              <a:buAutoNum type="arabicPeriod"/>
+            </a:pPr>
+            <a:r>
+              <a:rPr lang="en-US" dirty="0" err="1" smtClean="0"/>
+              <a:t>Strlwr</a:t>
+            </a:r>
+            <a:r>
+              <a:rPr lang="en-US" dirty="0" smtClean="0"/>
+              <a:t>(</a:t>
+            </a:r>
+            <a:r>
+              <a:rPr lang="en-US" dirty="0"/>
+              <a:t>argument</a:t>
+            </a:r>
+            <a:r>
+              <a:rPr lang="en-US" dirty="0" smtClean="0"/>
+              <a:t>)</a:t>
+            </a:r>
+          </a:p>
+          <a:p>
+            <a:pPr marL="666900" lvl="1" indent="-342900">
+              <a:buFont typeface="+mj-lt"/>
+              <a:buAutoNum type="arabicPeriod"/>
+            </a:pPr>
+            <a:endParaRPr lang="en-US" dirty="0" smtClean="0"/>
+          </a:p>
+          <a:p>
+            <a:pPr marL="666900" lvl="1" indent="-342900">
+              <a:buFont typeface="+mj-lt"/>
+              <a:buAutoNum type="arabicPeriod"/>
+            </a:pPr>
+            <a:endParaRPr lang="en-US" dirty="0"/>
+          </a:p>
+        </p:txBody>
+      </p:sp>
+    </p:spTree>
+    <p:extLst>
+      <p:ext uri="{BB962C8B-B14F-4D97-AF65-F5344CB8AC3E}">
+        <p14:creationId xmlns:p14="http://schemas.microsoft.com/office/powerpoint/2010/main" val="1632237163"/>
+      </p:ext>
+    </p:extLst>
+  </p:cSld>
+  <p:clrMapOvr>
+    <a:masterClrMapping/>
+  </p:clrMapOvr>
+  <p:timing>
+    <p:tnLst>
+      <p:par>
+        <p:cTn id="1" dur="indefinite" restart="never" nodeType="tmRoot"/>
+      </p:par>
+    </p:tnLst>
+  </p:timing>
 </p:sld>
 </file>
 
